--- a/meterials/slides/ch05 user-defined-menu.pptx
+++ b/meterials/slides/ch05 user-defined-menu.pptx
@@ -277,7 +277,7 @@
           <a:p>
             <a:fld id="{2B71C804-97F5-4B36-A7AC-EEEC7F44F6C2}" type="datetimeFigureOut">
               <a:rPr lang="zh-CN" altLang="en-US" smtClean="0"/>
-              <a:t>2017/9/6</a:t>
+              <a:t>2017/9/7</a:t>
             </a:fld>
             <a:endParaRPr lang="zh-CN" altLang="en-US"/>
           </a:p>
@@ -443,7 +443,7 @@
           <a:p>
             <a:fld id="{0568D9C6-D8DC-4CC3-8480-E0C4DBA1CC07}" type="datetimeFigureOut">
               <a:rPr lang="zh-CN" altLang="en-US" smtClean="0"/>
-              <a:t>2017/9/6</a:t>
+              <a:t>2017/9/7</a:t>
             </a:fld>
             <a:endParaRPr lang="zh-CN" altLang="en-US"/>
           </a:p>
@@ -1056,7 +1056,7 @@
           <a:p>
             <a:fld id="{DB9D664F-4C68-42D2-B189-678958EFAFDA}" type="datetime1">
               <a:rPr lang="zh-CN" altLang="en-US" smtClean="0"/>
-              <a:t>2017/9/6</a:t>
+              <a:t>2017/9/7</a:t>
             </a:fld>
             <a:endParaRPr lang="zh-CN" altLang="en-US"/>
           </a:p>
@@ -2038,7 +2038,7 @@
           <a:p>
             <a:fld id="{ED5513C8-E3A4-4D78-B249-887659A958FF}" type="datetime1">
               <a:rPr lang="en-US" altLang="zh-CN" smtClean="0"/>
-              <a:t>9/6/2017</a:t>
+              <a:t>9/7/2017</a:t>
             </a:fld>
             <a:endParaRPr lang="en-US"/>
           </a:p>
@@ -2216,7 +2216,7 @@
           <a:p>
             <a:fld id="{EBEDA52C-3EEE-4289-818C-901C0A7814FE}" type="datetime1">
               <a:rPr lang="en-US" altLang="zh-CN" smtClean="0"/>
-              <a:t>9/6/2017</a:t>
+              <a:t>9/7/2017</a:t>
             </a:fld>
             <a:endParaRPr lang="en-US"/>
           </a:p>
@@ -2470,7 +2470,7 @@
           <a:p>
             <a:fld id="{09EF5D7F-EA15-485C-85DD-8FDC010A62D4}" type="datetime1">
               <a:rPr lang="en-US" altLang="zh-CN" smtClean="0"/>
-              <a:t>9/6/2017</a:t>
+              <a:t>9/7/2017</a:t>
             </a:fld>
             <a:endParaRPr lang="en-US"/>
           </a:p>
@@ -2710,7 +2710,7 @@
           <a:p>
             <a:fld id="{9541C2B2-0BAB-4CD4-83EE-25F1A7138896}" type="datetime1">
               <a:rPr lang="en-US" altLang="zh-CN" smtClean="0"/>
-              <a:t>9/6/2017</a:t>
+              <a:t>9/7/2017</a:t>
             </a:fld>
             <a:endParaRPr lang="en-US"/>
           </a:p>
@@ -3085,7 +3085,7 @@
           <a:p>
             <a:fld id="{7DEA23E7-D0FC-41DC-8745-BE6FC447B182}" type="datetime1">
               <a:rPr lang="en-US" altLang="zh-CN" smtClean="0"/>
-              <a:t>9/6/2017</a:t>
+              <a:t>9/7/2017</a:t>
             </a:fld>
             <a:endParaRPr lang="en-US"/>
           </a:p>
@@ -3870,7 +3870,7 @@
           <a:p>
             <a:fld id="{5DEA8378-5F33-490B-8120-8DE6B7EE2781}" type="datetime1">
               <a:rPr lang="en-US" altLang="zh-CN" smtClean="0"/>
-              <a:t>9/6/2017</a:t>
+              <a:t>9/7/2017</a:t>
             </a:fld>
             <a:endParaRPr lang="en-US"/>
           </a:p>
@@ -4124,7 +4124,7 @@
           <a:p>
             <a:fld id="{38DD30CF-78A7-4C73-91B4-38D3E3317745}" type="datetime1">
               <a:rPr lang="en-US" altLang="zh-CN" smtClean="0"/>
-              <a:t>9/6/2017</a:t>
+              <a:t>9/7/2017</a:t>
             </a:fld>
             <a:endParaRPr lang="en-US"/>
           </a:p>
@@ -4227,7 +4227,7 @@
           <a:p>
             <a:fld id="{A1BE0A72-8501-4974-A7B7-5BD248ABBAFC}" type="datetime1">
               <a:rPr lang="zh-CN" altLang="en-US" smtClean="0"/>
-              <a:t>2017/9/6</a:t>
+              <a:t>2017/9/7</a:t>
             </a:fld>
             <a:endParaRPr lang="zh-CN" altLang="en-US"/>
           </a:p>
@@ -4488,7 +4488,7 @@
           <a:p>
             <a:fld id="{0B7E01DD-16D0-4DBA-9C1A-51468BA0B73A}" type="datetime1">
               <a:rPr lang="en-US" altLang="zh-CN" smtClean="0"/>
-              <a:t>9/6/2017</a:t>
+              <a:t>9/7/2017</a:t>
             </a:fld>
             <a:endParaRPr lang="en-US"/>
           </a:p>
@@ -4666,7 +4666,7 @@
           <a:p>
             <a:fld id="{B587E63F-0E62-4A50-901F-E071D77F7634}" type="datetime1">
               <a:rPr lang="en-US" altLang="zh-CN" smtClean="0"/>
-              <a:t>9/6/2017</a:t>
+              <a:t>9/7/2017</a:t>
             </a:fld>
             <a:endParaRPr lang="en-US"/>
           </a:p>
@@ -4854,7 +4854,7 @@
           <a:p>
             <a:fld id="{BD8521E8-9297-400B-AD8C-0A4D05699D33}" type="datetime1">
               <a:rPr lang="en-US" altLang="zh-CN" smtClean="0"/>
-              <a:t>9/6/2017</a:t>
+              <a:t>9/7/2017</a:t>
             </a:fld>
             <a:endParaRPr lang="en-US"/>
           </a:p>
@@ -5085,7 +5085,7 @@
           <a:p>
             <a:fld id="{ED5513C8-E3A4-4D78-B249-887659A958FF}" type="datetime1">
               <a:rPr lang="en-US" altLang="zh-CN" smtClean="0"/>
-              <a:t>9/6/2017</a:t>
+              <a:t>9/7/2017</a:t>
             </a:fld>
             <a:endParaRPr lang="en-US"/>
           </a:p>
@@ -5263,7 +5263,7 @@
           <a:p>
             <a:fld id="{EBEDA52C-3EEE-4289-818C-901C0A7814FE}" type="datetime1">
               <a:rPr lang="en-US" altLang="zh-CN" smtClean="0"/>
-              <a:t>9/6/2017</a:t>
+              <a:t>9/7/2017</a:t>
             </a:fld>
             <a:endParaRPr lang="en-US"/>
           </a:p>
@@ -5517,7 +5517,7 @@
           <a:p>
             <a:fld id="{09EF5D7F-EA15-485C-85DD-8FDC010A62D4}" type="datetime1">
               <a:rPr lang="en-US" altLang="zh-CN" smtClean="0"/>
-              <a:t>9/6/2017</a:t>
+              <a:t>9/7/2017</a:t>
             </a:fld>
             <a:endParaRPr lang="en-US"/>
           </a:p>
@@ -5757,7 +5757,7 @@
           <a:p>
             <a:fld id="{9541C2B2-0BAB-4CD4-83EE-25F1A7138896}" type="datetime1">
               <a:rPr lang="en-US" altLang="zh-CN" smtClean="0"/>
-              <a:t>9/6/2017</a:t>
+              <a:t>9/7/2017</a:t>
             </a:fld>
             <a:endParaRPr lang="en-US"/>
           </a:p>
@@ -6132,7 +6132,7 @@
           <a:p>
             <a:fld id="{7DEA23E7-D0FC-41DC-8745-BE6FC447B182}" type="datetime1">
               <a:rPr lang="en-US" altLang="zh-CN" smtClean="0"/>
-              <a:t>9/6/2017</a:t>
+              <a:t>9/7/2017</a:t>
             </a:fld>
             <a:endParaRPr lang="en-US"/>
           </a:p>
@@ -6917,7 +6917,7 @@
           <a:p>
             <a:fld id="{A1BE0A72-8501-4974-A7B7-5BD248ABBAFC}" type="datetime1">
               <a:rPr lang="zh-CN" altLang="en-US" smtClean="0"/>
-              <a:t>2017/9/6</a:t>
+              <a:t>2017/9/7</a:t>
             </a:fld>
             <a:endParaRPr lang="zh-CN" altLang="en-US"/>
           </a:p>
@@ -6970,7 +6970,7 @@
           <a:p>
             <a:fld id="{5DEA8378-5F33-490B-8120-8DE6B7EE2781}" type="datetime1">
               <a:rPr lang="en-US" altLang="zh-CN" smtClean="0"/>
-              <a:t>9/6/2017</a:t>
+              <a:t>9/7/2017</a:t>
             </a:fld>
             <a:endParaRPr lang="en-US"/>
           </a:p>
@@ -7224,7 +7224,7 @@
           <a:p>
             <a:fld id="{38DD30CF-78A7-4C73-91B4-38D3E3317745}" type="datetime1">
               <a:rPr lang="en-US" altLang="zh-CN" smtClean="0"/>
-              <a:t>9/6/2017</a:t>
+              <a:t>9/7/2017</a:t>
             </a:fld>
             <a:endParaRPr lang="en-US"/>
           </a:p>
@@ -7489,7 +7489,7 @@
           <a:p>
             <a:fld id="{0B7E01DD-16D0-4DBA-9C1A-51468BA0B73A}" type="datetime1">
               <a:rPr lang="en-US" altLang="zh-CN" smtClean="0"/>
-              <a:t>9/6/2017</a:t>
+              <a:t>9/7/2017</a:t>
             </a:fld>
             <a:endParaRPr lang="en-US"/>
           </a:p>
@@ -7667,7 +7667,7 @@
           <a:p>
             <a:fld id="{B587E63F-0E62-4A50-901F-E071D77F7634}" type="datetime1">
               <a:rPr lang="en-US" altLang="zh-CN" smtClean="0"/>
-              <a:t>9/6/2017</a:t>
+              <a:t>9/7/2017</a:t>
             </a:fld>
             <a:endParaRPr lang="en-US"/>
           </a:p>
@@ -7855,7 +7855,7 @@
           <a:p>
             <a:fld id="{BD8521E8-9297-400B-AD8C-0A4D05699D33}" type="datetime1">
               <a:rPr lang="en-US" altLang="zh-CN" smtClean="0"/>
-              <a:t>9/6/2017</a:t>
+              <a:t>9/7/2017</a:t>
             </a:fld>
             <a:endParaRPr lang="en-US"/>
           </a:p>
@@ -7958,7 +7958,7 @@
           <a:p>
             <a:fld id="{EF452D9C-F9EB-4417-9C3A-C876C2AF9415}" type="datetime1">
               <a:rPr lang="zh-CN" altLang="en-US" smtClean="0"/>
-              <a:t>2017/9/6</a:t>
+              <a:t>2017/9/7</a:t>
             </a:fld>
             <a:endParaRPr lang="zh-CN" altLang="en-US"/>
           </a:p>
@@ -8144,7 +8144,7 @@
           <a:p>
             <a:fld id="{2F2E9289-9B4C-49AE-BDDA-70D6EDC89D17}" type="datetime1">
               <a:rPr lang="zh-CN" altLang="en-US" smtClean="0"/>
-              <a:t>2017/9/6</a:t>
+              <a:t>2017/9/7</a:t>
             </a:fld>
             <a:endParaRPr lang="zh-CN" altLang="en-US"/>
           </a:p>
@@ -8314,7 +8314,7 @@
           <a:p>
             <a:fld id="{2F2E9289-9B4C-49AE-BDDA-70D6EDC89D17}" type="datetime1">
               <a:rPr lang="zh-CN" altLang="en-US" smtClean="0"/>
-              <a:t>2017/9/6</a:t>
+              <a:t>2017/9/7</a:t>
             </a:fld>
             <a:endParaRPr lang="zh-CN" altLang="en-US"/>
           </a:p>
@@ -8550,7 +8550,7 @@
           <a:p>
             <a:fld id="{8C5BA751-A251-47D6-8494-C134D9EBED5F}" type="datetime1">
               <a:rPr lang="zh-CN" altLang="en-US" smtClean="0"/>
-              <a:t>2017/9/6</a:t>
+              <a:t>2017/9/7</a:t>
             </a:fld>
             <a:endParaRPr lang="zh-CN" altLang="en-US"/>
           </a:p>
@@ -8906,7 +8906,7 @@
           <a:p>
             <a:fld id="{C46E2078-F302-4651-A2A2-2FC6C4E1A3F1}" type="datetime1">
               <a:rPr lang="zh-CN" altLang="en-US" smtClean="0"/>
-              <a:t>2017/9/6</a:t>
+              <a:t>2017/9/7</a:t>
             </a:fld>
             <a:endParaRPr lang="zh-CN" altLang="en-US"/>
           </a:p>
@@ -9028,7 +9028,7 @@
               <a:pPr>
                 <a:defRPr/>
               </a:pPr>
-              <a:t>2017/9/6</a:t>
+              <a:t>2017/9/7</a:t>
             </a:fld>
             <a:endParaRPr lang="zh-CN" altLang="en-US"/>
           </a:p>
@@ -9176,7 +9176,7 @@
           <a:p>
             <a:fld id="{A1BE0A72-8501-4974-A7B7-5BD248ABBAFC}" type="datetime1">
               <a:rPr lang="zh-CN" altLang="en-US" smtClean="0"/>
-              <a:t>2017/9/6</a:t>
+              <a:t>2017/9/7</a:t>
             </a:fld>
             <a:endParaRPr lang="zh-CN" altLang="en-US"/>
           </a:p>
@@ -9690,7 +9690,7 @@
           <a:p>
             <a:fld id="{A1BE0A72-8501-4974-A7B7-5BD248ABBAFC}" type="datetime1">
               <a:rPr lang="zh-CN" altLang="en-US" smtClean="0"/>
-              <a:t>2017/9/6</a:t>
+              <a:t>2017/9/7</a:t>
             </a:fld>
             <a:endParaRPr lang="zh-CN" altLang="en-US"/>
           </a:p>
@@ -10296,7 +10296,7 @@
           <a:p>
             <a:fld id="{7A78726F-0AD2-4A20-BC72-263D2D3F3A2F}" type="datetime1">
               <a:rPr lang="en-US" altLang="zh-CN" smtClean="0"/>
-              <a:t>9/6/2017</a:t>
+              <a:t>9/7/2017</a:t>
             </a:fld>
             <a:endParaRPr lang="en-US"/>
           </a:p>
@@ -11277,7 +11277,7 @@
           <a:p>
             <a:fld id="{A1BE0A72-8501-4974-A7B7-5BD248ABBAFC}" type="datetime1">
               <a:rPr lang="zh-CN" altLang="en-US" smtClean="0"/>
-              <a:t>2017/9/6</a:t>
+              <a:t>2017/9/7</a:t>
             </a:fld>
             <a:endParaRPr lang="zh-CN" altLang="en-US"/>
           </a:p>
@@ -11883,7 +11883,7 @@
           <a:p>
             <a:fld id="{7A78726F-0AD2-4A20-BC72-263D2D3F3A2F}" type="datetime1">
               <a:rPr lang="en-US" altLang="zh-CN" smtClean="0"/>
-              <a:t>9/6/2017</a:t>
+              <a:t>9/7/2017</a:t>
             </a:fld>
             <a:endParaRPr lang="en-US"/>
           </a:p>
@@ -16145,7 +16145,7 @@
           <a:lstStyle/>
           <a:p>
             <a:r>
-              <a:rPr lang="zh-CN" altLang="en-US" dirty="0"/>
+              <a:rPr lang="zh-CN" altLang="en-US" b="0" dirty="0"/>
               <a:t>本次课程目录</a:t>
             </a:r>
           </a:p>
@@ -16581,7 +16581,7 @@
         <p:spPr>
           <a:xfrm>
             <a:off x="1054099" y="1685925"/>
-            <a:ext cx="10372725" cy="2862322"/>
+            <a:ext cx="10372725" cy="3323987"/>
           </a:xfrm>
           <a:prstGeom prst="rect">
             <a:avLst/>
@@ -16847,6 +16847,68 @@
                 <a:ea typeface="微软雅黑" panose="020B0503020204020204" pitchFamily="34" charset="-122"/>
               </a:rPr>
               <a:t>与其他参数调用接口</a:t>
+            </a:r>
+            <a:endParaRPr lang="en-US" altLang="zh-CN" sz="2000" dirty="0">
+              <a:latin typeface="微软雅黑" panose="020B0503020204020204" pitchFamily="34" charset="-122"/>
+              <a:ea typeface="微软雅黑" panose="020B0503020204020204" pitchFamily="34" charset="-122"/>
+            </a:endParaRPr>
+          </a:p>
+          <a:p>
+            <a:pPr marL="342900" indent="-342900">
+              <a:lnSpc>
+                <a:spcPct val="150000"/>
+              </a:lnSpc>
+              <a:buFont typeface="Arial" panose="020B0604020202020204" pitchFamily="34" charset="0"/>
+              <a:buChar char="•"/>
+            </a:pPr>
+            <a:r>
+              <a:rPr lang="zh-CN" altLang="en-US" sz="2000" dirty="0">
+                <a:latin typeface="微软雅黑" panose="020B0503020204020204" pitchFamily="34" charset="-122"/>
+                <a:ea typeface="微软雅黑" panose="020B0503020204020204" pitchFamily="34" charset="-122"/>
+              </a:rPr>
+              <a:t>微信为何要使用</a:t>
+            </a:r>
+            <a:r>
+              <a:rPr lang="en-US" altLang="zh-CN" sz="2000" dirty="0" err="1">
+                <a:latin typeface="微软雅黑" panose="020B0503020204020204" pitchFamily="34" charset="-122"/>
+                <a:ea typeface="微软雅黑" panose="020B0503020204020204" pitchFamily="34" charset="-122"/>
+              </a:rPr>
+              <a:t>access_token</a:t>
+            </a:r>
+            <a:r>
+              <a:rPr lang="zh-CN" altLang="en-US" sz="2000" dirty="0">
+                <a:latin typeface="微软雅黑" panose="020B0503020204020204" pitchFamily="34" charset="-122"/>
+                <a:ea typeface="微软雅黑" panose="020B0503020204020204" pitchFamily="34" charset="-122"/>
+              </a:rPr>
+              <a:t>，而不是直接使用</a:t>
+            </a:r>
+            <a:r>
+              <a:rPr lang="en-US" altLang="zh-CN" sz="2000" dirty="0" err="1">
+                <a:latin typeface="微软雅黑" panose="020B0503020204020204" pitchFamily="34" charset="-122"/>
+                <a:ea typeface="微软雅黑" panose="020B0503020204020204" pitchFamily="34" charset="-122"/>
+              </a:rPr>
+              <a:t>appid</a:t>
+            </a:r>
+            <a:r>
+              <a:rPr lang="zh-CN" altLang="en-US" sz="2000" dirty="0">
+                <a:latin typeface="微软雅黑" panose="020B0503020204020204" pitchFamily="34" charset="-122"/>
+                <a:ea typeface="微软雅黑" panose="020B0503020204020204" pitchFamily="34" charset="-122"/>
+              </a:rPr>
+              <a:t>与</a:t>
+            </a:r>
+            <a:r>
+              <a:rPr lang="en-US" altLang="zh-CN" sz="2000" dirty="0" err="1">
+                <a:latin typeface="微软雅黑" panose="020B0503020204020204" pitchFamily="34" charset="-122"/>
+                <a:ea typeface="微软雅黑" panose="020B0503020204020204" pitchFamily="34" charset="-122"/>
+              </a:rPr>
+              <a:t>appsecret</a:t>
+            </a:r>
+            <a:r>
+              <a:rPr lang="zh-CN" altLang="en-US" sz="2000" dirty="0">
+                <a:latin typeface="微软雅黑" panose="020B0503020204020204" pitchFamily="34" charset="-122"/>
+                <a:ea typeface="微软雅黑" panose="020B0503020204020204" pitchFamily="34" charset="-122"/>
+              </a:rPr>
+              <a:t>调用接口？</a:t>
             </a:r>
           </a:p>
         </p:txBody>
@@ -19077,7 +19139,7 @@
           <a:lstStyle/>
           <a:p>
             <a:r>
-              <a:rPr lang="zh-CN" altLang="en-US" dirty="0"/>
+              <a:rPr lang="zh-CN" altLang="en-US" b="0" dirty="0"/>
               <a:t>课程概要</a:t>
             </a:r>
           </a:p>
@@ -19325,7 +19387,7 @@
           <a:lstStyle/>
           <a:p>
             <a:r>
-              <a:rPr lang="zh-CN" altLang="en-US" dirty="0"/>
+              <a:rPr lang="zh-CN" altLang="en-US" b="0" dirty="0"/>
               <a:t>第一节 </a:t>
             </a:r>
           </a:p>
@@ -20033,7 +20095,7 @@
           <a:lstStyle/>
           <a:p>
             <a:r>
-              <a:rPr lang="zh-CN" altLang="en-US" dirty="0"/>
+              <a:rPr lang="zh-CN" altLang="en-US" b="0" dirty="0"/>
               <a:t>第二讲</a:t>
             </a:r>
           </a:p>

--- a/meterials/slides/ch05 user-defined-menu.pptx
+++ b/meterials/slides/ch05 user-defined-menu.pptx
@@ -9,10 +9,10 @@
     <p:sldMasterId id="2147483691" r:id="rId5"/>
   </p:sldMasterIdLst>
   <p:notesMasterIdLst>
-    <p:notesMasterId r:id="rId33"/>
+    <p:notesMasterId r:id="rId34"/>
   </p:notesMasterIdLst>
   <p:handoutMasterIdLst>
-    <p:handoutMasterId r:id="rId34"/>
+    <p:handoutMasterId r:id="rId35"/>
   </p:handoutMasterIdLst>
   <p:sldIdLst>
     <p:sldId id="257" r:id="rId6"/>
@@ -40,13 +40,14 @@
     <p:sldId id="485" r:id="rId28"/>
     <p:sldId id="435" r:id="rId29"/>
     <p:sldId id="481" r:id="rId30"/>
-    <p:sldId id="482" r:id="rId31"/>
-    <p:sldId id="311" r:id="rId32"/>
+    <p:sldId id="486" r:id="rId31"/>
+    <p:sldId id="482" r:id="rId32"/>
+    <p:sldId id="311" r:id="rId33"/>
   </p:sldIdLst>
   <p:sldSz cx="12192000" cy="6858000"/>
   <p:notesSz cx="6858000" cy="9144000"/>
   <p:custDataLst>
-    <p:tags r:id="rId35"/>
+    <p:tags r:id="rId36"/>
   </p:custDataLst>
   <p:defaultTextStyle>
     <a:defPPr>
@@ -954,7 +955,7 @@
                 <a:ea typeface="宋体" charset="-122"/>
               </a:rPr>
               <a:pPr algn="r" eaLnBrk="1" hangingPunct="1"/>
-              <a:t>27</a:t>
+              <a:t>28</a:t>
             </a:fld>
             <a:endParaRPr lang="zh-CN" altLang="en-US" sz="1200">
               <a:latin typeface="Calibri" pitchFamily="34" charset="0"/>
@@ -18265,6 +18266,99 @@
           <a:p>
             <a:r>
               <a:rPr lang="zh-CN" altLang="en-US" b="0" dirty="0"/>
+              <a:t>获取自定义菜单输出</a:t>
+            </a:r>
+          </a:p>
+        </p:txBody>
+      </p:sp>
+      <p:pic>
+        <p:nvPicPr>
+          <p:cNvPr id="5" name="图片 4">
+            <a:extLst>
+              <a:ext uri="{FF2B5EF4-FFF2-40B4-BE49-F238E27FC236}">
+                <a16:creationId xmlns:a16="http://schemas.microsoft.com/office/drawing/2014/main" id="{9B4B9E95-F341-455B-BC08-7BAE86F19676}"/>
+              </a:ext>
+            </a:extLst>
+          </p:cNvPr>
+          <p:cNvPicPr>
+            <a:picLocks noChangeAspect="1"/>
+          </p:cNvPicPr>
+          <p:nvPr/>
+        </p:nvPicPr>
+        <p:blipFill>
+          <a:blip r:embed="rId2">
+            <a:extLst>
+              <a:ext uri="{28A0092B-C50C-407E-A947-70E740481C1C}">
+                <a14:useLocalDpi xmlns:a14="http://schemas.microsoft.com/office/drawing/2010/main" val="0"/>
+              </a:ext>
+            </a:extLst>
+          </a:blip>
+          <a:stretch>
+            <a:fillRect/>
+          </a:stretch>
+        </p:blipFill>
+        <p:spPr>
+          <a:xfrm>
+            <a:off x="1962764" y="1545472"/>
+            <a:ext cx="7486035" cy="5186325"/>
+          </a:xfrm>
+          <a:prstGeom prst="rect">
+            <a:avLst/>
+          </a:prstGeom>
+        </p:spPr>
+      </p:pic>
+    </p:spTree>
+    <p:extLst>
+      <p:ext uri="{BB962C8B-B14F-4D97-AF65-F5344CB8AC3E}">
+        <p14:creationId xmlns:p14="http://schemas.microsoft.com/office/powerpoint/2010/main" val="390614555"/>
+      </p:ext>
+    </p:extLst>
+  </p:cSld>
+  <p:clrMapOvr>
+    <a:masterClrMapping/>
+  </p:clrMapOvr>
+</p:sld>
+</file>
+
+<file path=ppt/slides/slide27.xml><?xml version="1.0" encoding="utf-8"?>
+<p:sld xmlns:a="http://schemas.openxmlformats.org/drawingml/2006/main" xmlns:r="http://schemas.openxmlformats.org/officeDocument/2006/relationships" xmlns:p="http://schemas.openxmlformats.org/presentationml/2006/main">
+  <p:cSld>
+    <p:spTree>
+      <p:nvGrpSpPr>
+        <p:cNvPr id="1" name=""/>
+        <p:cNvGrpSpPr/>
+        <p:nvPr/>
+      </p:nvGrpSpPr>
+      <p:grpSpPr>
+        <a:xfrm>
+          <a:off x="0" y="0"/>
+          <a:ext cx="0" cy="0"/>
+          <a:chOff x="0" y="0"/>
+          <a:chExt cx="0" cy="0"/>
+        </a:xfrm>
+      </p:grpSpPr>
+      <p:sp>
+        <p:nvSpPr>
+          <p:cNvPr id="2" name="内容占位符 1"/>
+          <p:cNvSpPr>
+            <a:spLocks noGrp="1"/>
+          </p:cNvSpPr>
+          <p:nvPr>
+            <p:ph sz="quarter" idx="13"/>
+          </p:nvPr>
+        </p:nvSpPr>
+        <p:spPr>
+          <a:xfrm>
+            <a:off x="1054099" y="543636"/>
+            <a:ext cx="6975475" cy="685800"/>
+          </a:xfrm>
+        </p:spPr>
+        <p:txBody>
+          <a:bodyPr/>
+          <a:lstStyle/>
+          <a:p>
+            <a:r>
+              <a:rPr lang="zh-CN" altLang="en-US" b="0" dirty="0"/>
               <a:t>删除自定义菜单</a:t>
             </a:r>
           </a:p>
@@ -18324,15 +18418,9 @@
                 <a:latin typeface="Calibri" panose="020F0502020204030204" pitchFamily="34" charset="0"/>
                 <a:ea typeface="微软雅黑" panose="020B0503020204020204" pitchFamily="34" charset="-122"/>
                 <a:cs typeface="Calibri" panose="020F0502020204030204" pitchFamily="34" charset="0"/>
-                <a:hlinkClick r:id="rId2"/>
               </a:rPr>
               <a:t>https://api.weixin.qq.com/cgi-bin/menu/delete?access_token=ACCESS_TOKEN</a:t>
             </a:r>
-            <a:endParaRPr lang="en-US" altLang="zh-CN" sz="2000" dirty="0">
-              <a:latin typeface="Calibri" panose="020F0502020204030204" pitchFamily="34" charset="0"/>
-              <a:ea typeface="微软雅黑" panose="020B0503020204020204" pitchFamily="34" charset="-122"/>
-              <a:cs typeface="Calibri" panose="020F0502020204030204" pitchFamily="34" charset="0"/>
-            </a:endParaRPr>
           </a:p>
           <a:p>
             <a:pPr marL="342900" indent="-342900">
@@ -18405,7 +18493,7 @@
 </p:sld>
 </file>
 
-<file path=ppt/slides/slide27.xml><?xml version="1.0" encoding="utf-8"?>
+<file path=ppt/slides/slide28.xml><?xml version="1.0" encoding="utf-8"?>
 <p:sld xmlns:a="http://schemas.openxmlformats.org/drawingml/2006/main" xmlns:r="http://schemas.openxmlformats.org/officeDocument/2006/relationships" xmlns:p="http://schemas.openxmlformats.org/presentationml/2006/main">
   <p:cSld>
     <p:spTree>

--- a/meterials/slides/ch05 user-defined-menu.pptx
+++ b/meterials/slides/ch05 user-defined-menu.pptx
@@ -12883,7 +12883,7 @@
         <p:spPr>
           <a:xfrm>
             <a:off x="917621" y="1628774"/>
-            <a:ext cx="10012317" cy="3785652"/>
+            <a:ext cx="10012317" cy="1938992"/>
           </a:xfrm>
           <a:prstGeom prst="rect">
             <a:avLst/>
@@ -13082,114 +13082,6 @@
                 <a:ea typeface="微软雅黑" panose="020B0503020204020204" pitchFamily="34" charset="-122"/>
               </a:rPr>
               <a:t>的第三方库。</a:t>
-            </a:r>
-            <a:endParaRPr lang="en-US" altLang="zh-CN" sz="2000" dirty="0">
-              <a:latin typeface="微软雅黑" panose="020B0503020204020204" pitchFamily="34" charset="-122"/>
-              <a:ea typeface="微软雅黑" panose="020B0503020204020204" pitchFamily="34" charset="-122"/>
-            </a:endParaRPr>
-          </a:p>
-          <a:p>
-            <a:pPr marL="342900" indent="-342900">
-              <a:lnSpc>
-                <a:spcPct val="150000"/>
-              </a:lnSpc>
-              <a:buFont typeface="Arial" panose="020B0604020202020204" pitchFamily="34" charset="0"/>
-              <a:buChar char="•"/>
-            </a:pPr>
-            <a:r>
-              <a:rPr lang="zh-CN" altLang="en-US" sz="2000" dirty="0">
-                <a:latin typeface="微软雅黑" panose="020B0503020204020204" pitchFamily="34" charset="-122"/>
-                <a:ea typeface="微软雅黑" panose="020B0503020204020204" pitchFamily="34" charset="-122"/>
-              </a:rPr>
-              <a:t>使用</a:t>
-            </a:r>
-            <a:r>
-              <a:rPr lang="en-US" altLang="zh-CN" sz="2000" dirty="0">
-                <a:latin typeface="微软雅黑" panose="020B0503020204020204" pitchFamily="34" charset="-122"/>
-                <a:ea typeface="微软雅黑" panose="020B0503020204020204" pitchFamily="34" charset="-122"/>
-              </a:rPr>
-              <a:t>CURL</a:t>
-            </a:r>
-            <a:r>
-              <a:rPr lang="zh-CN" altLang="en-US" sz="2000" dirty="0">
-                <a:latin typeface="微软雅黑" panose="020B0503020204020204" pitchFamily="34" charset="-122"/>
-                <a:ea typeface="微软雅黑" panose="020B0503020204020204" pitchFamily="34" charset="-122"/>
-              </a:rPr>
-              <a:t>与浏览器访问网站：</a:t>
-            </a:r>
-            <a:endParaRPr lang="en-US" altLang="zh-CN" sz="2000" dirty="0">
-              <a:latin typeface="微软雅黑" panose="020B0503020204020204" pitchFamily="34" charset="-122"/>
-              <a:ea typeface="微软雅黑" panose="020B0503020204020204" pitchFamily="34" charset="-122"/>
-            </a:endParaRPr>
-          </a:p>
-          <a:p>
-            <a:pPr lvl="1">
-              <a:lnSpc>
-                <a:spcPct val="150000"/>
-              </a:lnSpc>
-            </a:pPr>
-            <a:r>
-              <a:rPr lang="zh-CN" altLang="en-US" sz="2000" dirty="0">
-                <a:latin typeface="微软雅黑" panose="020B0503020204020204" pitchFamily="34" charset="-122"/>
-                <a:ea typeface="微软雅黑" panose="020B0503020204020204" pitchFamily="34" charset="-122"/>
-              </a:rPr>
-              <a:t>在浏览器上输入网址后，是浏览器发起的</a:t>
-            </a:r>
-            <a:r>
-              <a:rPr lang="en-US" altLang="zh-CN" sz="2000" dirty="0">
-                <a:latin typeface="微软雅黑" panose="020B0503020204020204" pitchFamily="34" charset="-122"/>
-                <a:ea typeface="微软雅黑" panose="020B0503020204020204" pitchFamily="34" charset="-122"/>
-              </a:rPr>
-              <a:t>http</a:t>
-            </a:r>
-            <a:r>
-              <a:rPr lang="zh-CN" altLang="en-US" sz="2000" dirty="0">
-                <a:latin typeface="微软雅黑" panose="020B0503020204020204" pitchFamily="34" charset="-122"/>
-                <a:ea typeface="微软雅黑" panose="020B0503020204020204" pitchFamily="34" charset="-122"/>
-              </a:rPr>
-              <a:t>请求获取数据，现在进行微信接口调用，无法使用浏览器实现，需要程序发起</a:t>
-            </a:r>
-            <a:r>
-              <a:rPr lang="en-US" altLang="zh-CN" sz="2000" dirty="0">
-                <a:latin typeface="微软雅黑" panose="020B0503020204020204" pitchFamily="34" charset="-122"/>
-                <a:ea typeface="微软雅黑" panose="020B0503020204020204" pitchFamily="34" charset="-122"/>
-              </a:rPr>
-              <a:t>http</a:t>
-            </a:r>
-            <a:r>
-              <a:rPr lang="zh-CN" altLang="en-US" sz="2000" dirty="0">
-                <a:latin typeface="微软雅黑" panose="020B0503020204020204" pitchFamily="34" charset="-122"/>
-                <a:ea typeface="微软雅黑" panose="020B0503020204020204" pitchFamily="34" charset="-122"/>
-              </a:rPr>
-              <a:t>请求获取数据，此时</a:t>
-            </a:r>
-            <a:r>
-              <a:rPr lang="en-US" altLang="zh-CN" sz="2000" dirty="0">
-                <a:latin typeface="微软雅黑" panose="020B0503020204020204" pitchFamily="34" charset="-122"/>
-                <a:ea typeface="微软雅黑" panose="020B0503020204020204" pitchFamily="34" charset="-122"/>
-              </a:rPr>
-              <a:t>CURL</a:t>
-            </a:r>
-            <a:r>
-              <a:rPr lang="zh-CN" altLang="en-US" sz="2000" dirty="0">
-                <a:latin typeface="微软雅黑" panose="020B0503020204020204" pitchFamily="34" charset="-122"/>
-                <a:ea typeface="微软雅黑" panose="020B0503020204020204" pitchFamily="34" charset="-122"/>
-              </a:rPr>
-              <a:t>就像是浏览器，提供了</a:t>
-            </a:r>
-            <a:r>
-              <a:rPr lang="en-US" altLang="zh-CN" sz="2000" dirty="0">
-                <a:latin typeface="微软雅黑" panose="020B0503020204020204" pitchFamily="34" charset="-122"/>
-                <a:ea typeface="微软雅黑" panose="020B0503020204020204" pitchFamily="34" charset="-122"/>
-              </a:rPr>
-              <a:t>http</a:t>
-            </a:r>
-            <a:r>
-              <a:rPr lang="zh-CN" altLang="en-US" sz="2000" dirty="0">
-                <a:latin typeface="微软雅黑" panose="020B0503020204020204" pitchFamily="34" charset="-122"/>
-                <a:ea typeface="微软雅黑" panose="020B0503020204020204" pitchFamily="34" charset="-122"/>
-              </a:rPr>
-              <a:t>请求的支持。</a:t>
             </a:r>
             <a:endParaRPr lang="en-US" altLang="zh-CN" sz="2000" dirty="0">
               <a:latin typeface="微软雅黑" panose="020B0503020204020204" pitchFamily="34" charset="-122"/>

--- a/meterials/slides/ch05 user-defined-menu.pptx
+++ b/meterials/slides/ch05 user-defined-menu.pptx
@@ -278,7 +278,7 @@
           <a:p>
             <a:fld id="{2B71C804-97F5-4B36-A7AC-EEEC7F44F6C2}" type="datetimeFigureOut">
               <a:rPr lang="zh-CN" altLang="en-US" smtClean="0"/>
-              <a:t>2017/9/7</a:t>
+              <a:t>2017/10/23</a:t>
             </a:fld>
             <a:endParaRPr lang="zh-CN" altLang="en-US"/>
           </a:p>
@@ -444,7 +444,7 @@
           <a:p>
             <a:fld id="{0568D9C6-D8DC-4CC3-8480-E0C4DBA1CC07}" type="datetimeFigureOut">
               <a:rPr lang="zh-CN" altLang="en-US" smtClean="0"/>
-              <a:t>2017/9/7</a:t>
+              <a:t>2017/10/23</a:t>
             </a:fld>
             <a:endParaRPr lang="zh-CN" altLang="en-US"/>
           </a:p>
@@ -1057,7 +1057,7 @@
           <a:p>
             <a:fld id="{DB9D664F-4C68-42D2-B189-678958EFAFDA}" type="datetime1">
               <a:rPr lang="zh-CN" altLang="en-US" smtClean="0"/>
-              <a:t>2017/9/7</a:t>
+              <a:t>2017/10/23</a:t>
             </a:fld>
             <a:endParaRPr lang="zh-CN" altLang="en-US"/>
           </a:p>
@@ -2039,7 +2039,7 @@
           <a:p>
             <a:fld id="{ED5513C8-E3A4-4D78-B249-887659A958FF}" type="datetime1">
               <a:rPr lang="en-US" altLang="zh-CN" smtClean="0"/>
-              <a:t>9/7/2017</a:t>
+              <a:t>10/23/2017</a:t>
             </a:fld>
             <a:endParaRPr lang="en-US"/>
           </a:p>
@@ -2217,7 +2217,7 @@
           <a:p>
             <a:fld id="{EBEDA52C-3EEE-4289-818C-901C0A7814FE}" type="datetime1">
               <a:rPr lang="en-US" altLang="zh-CN" smtClean="0"/>
-              <a:t>9/7/2017</a:t>
+              <a:t>10/23/2017</a:t>
             </a:fld>
             <a:endParaRPr lang="en-US"/>
           </a:p>
@@ -2471,7 +2471,7 @@
           <a:p>
             <a:fld id="{09EF5D7F-EA15-485C-85DD-8FDC010A62D4}" type="datetime1">
               <a:rPr lang="en-US" altLang="zh-CN" smtClean="0"/>
-              <a:t>9/7/2017</a:t>
+              <a:t>10/23/2017</a:t>
             </a:fld>
             <a:endParaRPr lang="en-US"/>
           </a:p>
@@ -2711,7 +2711,7 @@
           <a:p>
             <a:fld id="{9541C2B2-0BAB-4CD4-83EE-25F1A7138896}" type="datetime1">
               <a:rPr lang="en-US" altLang="zh-CN" smtClean="0"/>
-              <a:t>9/7/2017</a:t>
+              <a:t>10/23/2017</a:t>
             </a:fld>
             <a:endParaRPr lang="en-US"/>
           </a:p>
@@ -3086,7 +3086,7 @@
           <a:p>
             <a:fld id="{7DEA23E7-D0FC-41DC-8745-BE6FC447B182}" type="datetime1">
               <a:rPr lang="en-US" altLang="zh-CN" smtClean="0"/>
-              <a:t>9/7/2017</a:t>
+              <a:t>10/23/2017</a:t>
             </a:fld>
             <a:endParaRPr lang="en-US"/>
           </a:p>
@@ -3871,7 +3871,7 @@
           <a:p>
             <a:fld id="{5DEA8378-5F33-490B-8120-8DE6B7EE2781}" type="datetime1">
               <a:rPr lang="en-US" altLang="zh-CN" smtClean="0"/>
-              <a:t>9/7/2017</a:t>
+              <a:t>10/23/2017</a:t>
             </a:fld>
             <a:endParaRPr lang="en-US"/>
           </a:p>
@@ -4125,7 +4125,7 @@
           <a:p>
             <a:fld id="{38DD30CF-78A7-4C73-91B4-38D3E3317745}" type="datetime1">
               <a:rPr lang="en-US" altLang="zh-CN" smtClean="0"/>
-              <a:t>9/7/2017</a:t>
+              <a:t>10/23/2017</a:t>
             </a:fld>
             <a:endParaRPr lang="en-US"/>
           </a:p>
@@ -4228,7 +4228,7 @@
           <a:p>
             <a:fld id="{A1BE0A72-8501-4974-A7B7-5BD248ABBAFC}" type="datetime1">
               <a:rPr lang="zh-CN" altLang="en-US" smtClean="0"/>
-              <a:t>2017/9/7</a:t>
+              <a:t>2017/10/23</a:t>
             </a:fld>
             <a:endParaRPr lang="zh-CN" altLang="en-US"/>
           </a:p>
@@ -4489,7 +4489,7 @@
           <a:p>
             <a:fld id="{0B7E01DD-16D0-4DBA-9C1A-51468BA0B73A}" type="datetime1">
               <a:rPr lang="en-US" altLang="zh-CN" smtClean="0"/>
-              <a:t>9/7/2017</a:t>
+              <a:t>10/23/2017</a:t>
             </a:fld>
             <a:endParaRPr lang="en-US"/>
           </a:p>
@@ -4667,7 +4667,7 @@
           <a:p>
             <a:fld id="{B587E63F-0E62-4A50-901F-E071D77F7634}" type="datetime1">
               <a:rPr lang="en-US" altLang="zh-CN" smtClean="0"/>
-              <a:t>9/7/2017</a:t>
+              <a:t>10/23/2017</a:t>
             </a:fld>
             <a:endParaRPr lang="en-US"/>
           </a:p>
@@ -4855,7 +4855,7 @@
           <a:p>
             <a:fld id="{BD8521E8-9297-400B-AD8C-0A4D05699D33}" type="datetime1">
               <a:rPr lang="en-US" altLang="zh-CN" smtClean="0"/>
-              <a:t>9/7/2017</a:t>
+              <a:t>10/23/2017</a:t>
             </a:fld>
             <a:endParaRPr lang="en-US"/>
           </a:p>
@@ -5086,7 +5086,7 @@
           <a:p>
             <a:fld id="{ED5513C8-E3A4-4D78-B249-887659A958FF}" type="datetime1">
               <a:rPr lang="en-US" altLang="zh-CN" smtClean="0"/>
-              <a:t>9/7/2017</a:t>
+              <a:t>10/23/2017</a:t>
             </a:fld>
             <a:endParaRPr lang="en-US"/>
           </a:p>
@@ -5264,7 +5264,7 @@
           <a:p>
             <a:fld id="{EBEDA52C-3EEE-4289-818C-901C0A7814FE}" type="datetime1">
               <a:rPr lang="en-US" altLang="zh-CN" smtClean="0"/>
-              <a:t>9/7/2017</a:t>
+              <a:t>10/23/2017</a:t>
             </a:fld>
             <a:endParaRPr lang="en-US"/>
           </a:p>
@@ -5518,7 +5518,7 @@
           <a:p>
             <a:fld id="{09EF5D7F-EA15-485C-85DD-8FDC010A62D4}" type="datetime1">
               <a:rPr lang="en-US" altLang="zh-CN" smtClean="0"/>
-              <a:t>9/7/2017</a:t>
+              <a:t>10/23/2017</a:t>
             </a:fld>
             <a:endParaRPr lang="en-US"/>
           </a:p>
@@ -5758,7 +5758,7 @@
           <a:p>
             <a:fld id="{9541C2B2-0BAB-4CD4-83EE-25F1A7138896}" type="datetime1">
               <a:rPr lang="en-US" altLang="zh-CN" smtClean="0"/>
-              <a:t>9/7/2017</a:t>
+              <a:t>10/23/2017</a:t>
             </a:fld>
             <a:endParaRPr lang="en-US"/>
           </a:p>
@@ -6133,7 +6133,7 @@
           <a:p>
             <a:fld id="{7DEA23E7-D0FC-41DC-8745-BE6FC447B182}" type="datetime1">
               <a:rPr lang="en-US" altLang="zh-CN" smtClean="0"/>
-              <a:t>9/7/2017</a:t>
+              <a:t>10/23/2017</a:t>
             </a:fld>
             <a:endParaRPr lang="en-US"/>
           </a:p>
@@ -6918,7 +6918,7 @@
           <a:p>
             <a:fld id="{A1BE0A72-8501-4974-A7B7-5BD248ABBAFC}" type="datetime1">
               <a:rPr lang="zh-CN" altLang="en-US" smtClean="0"/>
-              <a:t>2017/9/7</a:t>
+              <a:t>2017/10/23</a:t>
             </a:fld>
             <a:endParaRPr lang="zh-CN" altLang="en-US"/>
           </a:p>
@@ -6971,7 +6971,7 @@
           <a:p>
             <a:fld id="{5DEA8378-5F33-490B-8120-8DE6B7EE2781}" type="datetime1">
               <a:rPr lang="en-US" altLang="zh-CN" smtClean="0"/>
-              <a:t>9/7/2017</a:t>
+              <a:t>10/23/2017</a:t>
             </a:fld>
             <a:endParaRPr lang="en-US"/>
           </a:p>
@@ -7225,7 +7225,7 @@
           <a:p>
             <a:fld id="{38DD30CF-78A7-4C73-91B4-38D3E3317745}" type="datetime1">
               <a:rPr lang="en-US" altLang="zh-CN" smtClean="0"/>
-              <a:t>9/7/2017</a:t>
+              <a:t>10/23/2017</a:t>
             </a:fld>
             <a:endParaRPr lang="en-US"/>
           </a:p>
@@ -7490,7 +7490,7 @@
           <a:p>
             <a:fld id="{0B7E01DD-16D0-4DBA-9C1A-51468BA0B73A}" type="datetime1">
               <a:rPr lang="en-US" altLang="zh-CN" smtClean="0"/>
-              <a:t>9/7/2017</a:t>
+              <a:t>10/23/2017</a:t>
             </a:fld>
             <a:endParaRPr lang="en-US"/>
           </a:p>
@@ -7668,7 +7668,7 @@
           <a:p>
             <a:fld id="{B587E63F-0E62-4A50-901F-E071D77F7634}" type="datetime1">
               <a:rPr lang="en-US" altLang="zh-CN" smtClean="0"/>
-              <a:t>9/7/2017</a:t>
+              <a:t>10/23/2017</a:t>
             </a:fld>
             <a:endParaRPr lang="en-US"/>
           </a:p>
@@ -7856,7 +7856,7 @@
           <a:p>
             <a:fld id="{BD8521E8-9297-400B-AD8C-0A4D05699D33}" type="datetime1">
               <a:rPr lang="en-US" altLang="zh-CN" smtClean="0"/>
-              <a:t>9/7/2017</a:t>
+              <a:t>10/23/2017</a:t>
             </a:fld>
             <a:endParaRPr lang="en-US"/>
           </a:p>
@@ -7959,7 +7959,7 @@
           <a:p>
             <a:fld id="{EF452D9C-F9EB-4417-9C3A-C876C2AF9415}" type="datetime1">
               <a:rPr lang="zh-CN" altLang="en-US" smtClean="0"/>
-              <a:t>2017/9/7</a:t>
+              <a:t>2017/10/23</a:t>
             </a:fld>
             <a:endParaRPr lang="zh-CN" altLang="en-US"/>
           </a:p>
@@ -8145,7 +8145,7 @@
           <a:p>
             <a:fld id="{2F2E9289-9B4C-49AE-BDDA-70D6EDC89D17}" type="datetime1">
               <a:rPr lang="zh-CN" altLang="en-US" smtClean="0"/>
-              <a:t>2017/9/7</a:t>
+              <a:t>2017/10/23</a:t>
             </a:fld>
             <a:endParaRPr lang="zh-CN" altLang="en-US"/>
           </a:p>
@@ -8315,7 +8315,7 @@
           <a:p>
             <a:fld id="{2F2E9289-9B4C-49AE-BDDA-70D6EDC89D17}" type="datetime1">
               <a:rPr lang="zh-CN" altLang="en-US" smtClean="0"/>
-              <a:t>2017/9/7</a:t>
+              <a:t>2017/10/23</a:t>
             </a:fld>
             <a:endParaRPr lang="zh-CN" altLang="en-US"/>
           </a:p>
@@ -8551,7 +8551,7 @@
           <a:p>
             <a:fld id="{8C5BA751-A251-47D6-8494-C134D9EBED5F}" type="datetime1">
               <a:rPr lang="zh-CN" altLang="en-US" smtClean="0"/>
-              <a:t>2017/9/7</a:t>
+              <a:t>2017/10/23</a:t>
             </a:fld>
             <a:endParaRPr lang="zh-CN" altLang="en-US"/>
           </a:p>
@@ -8907,7 +8907,7 @@
           <a:p>
             <a:fld id="{C46E2078-F302-4651-A2A2-2FC6C4E1A3F1}" type="datetime1">
               <a:rPr lang="zh-CN" altLang="en-US" smtClean="0"/>
-              <a:t>2017/9/7</a:t>
+              <a:t>2017/10/23</a:t>
             </a:fld>
             <a:endParaRPr lang="zh-CN" altLang="en-US"/>
           </a:p>
@@ -9029,7 +9029,7 @@
               <a:pPr>
                 <a:defRPr/>
               </a:pPr>
-              <a:t>2017/9/7</a:t>
+              <a:t>2017/10/23</a:t>
             </a:fld>
             <a:endParaRPr lang="zh-CN" altLang="en-US"/>
           </a:p>
@@ -9177,7 +9177,7 @@
           <a:p>
             <a:fld id="{A1BE0A72-8501-4974-A7B7-5BD248ABBAFC}" type="datetime1">
               <a:rPr lang="zh-CN" altLang="en-US" smtClean="0"/>
-              <a:t>2017/9/7</a:t>
+              <a:t>2017/10/23</a:t>
             </a:fld>
             <a:endParaRPr lang="zh-CN" altLang="en-US"/>
           </a:p>
@@ -9691,7 +9691,7 @@
           <a:p>
             <a:fld id="{A1BE0A72-8501-4974-A7B7-5BD248ABBAFC}" type="datetime1">
               <a:rPr lang="zh-CN" altLang="en-US" smtClean="0"/>
-              <a:t>2017/9/7</a:t>
+              <a:t>2017/10/23</a:t>
             </a:fld>
             <a:endParaRPr lang="zh-CN" altLang="en-US"/>
           </a:p>
@@ -10297,7 +10297,7 @@
           <a:p>
             <a:fld id="{7A78726F-0AD2-4A20-BC72-263D2D3F3A2F}" type="datetime1">
               <a:rPr lang="en-US" altLang="zh-CN" smtClean="0"/>
-              <a:t>9/7/2017</a:t>
+              <a:t>10/23/2017</a:t>
             </a:fld>
             <a:endParaRPr lang="en-US"/>
           </a:p>
@@ -11278,7 +11278,7 @@
           <a:p>
             <a:fld id="{A1BE0A72-8501-4974-A7B7-5BD248ABBAFC}" type="datetime1">
               <a:rPr lang="zh-CN" altLang="en-US" smtClean="0"/>
-              <a:t>2017/9/7</a:t>
+              <a:t>2017/10/23</a:t>
             </a:fld>
             <a:endParaRPr lang="zh-CN" altLang="en-US"/>
           </a:p>
@@ -11884,7 +11884,7 @@
           <a:p>
             <a:fld id="{7A78726F-0AD2-4A20-BC72-263D2D3F3A2F}" type="datetime1">
               <a:rPr lang="en-US" altLang="zh-CN" smtClean="0"/>
-              <a:t>9/7/2017</a:t>
+              <a:t>10/23/2017</a:t>
             </a:fld>
             <a:endParaRPr lang="en-US"/>
           </a:p>
@@ -13466,11 +13466,18 @@
               <a:t>curl_init</a:t>
             </a:r>
             <a:r>
+              <a:rPr lang="en-US" altLang="zh-CN">
+                <a:latin typeface="Consolas" panose="020B0609020204030204" pitchFamily="49" charset="0"/>
+                <a:ea typeface="仿宋" panose="02010609060101010101" pitchFamily="49" charset="-122"/>
+              </a:rPr>
+              <a:t>('https://</a:t>
+            </a:r>
+            <a:r>
               <a:rPr lang="en-US" altLang="zh-CN" dirty="0">
                 <a:latin typeface="Consolas" panose="020B0609020204030204" pitchFamily="49" charset="0"/>
                 <a:ea typeface="仿宋" panose="02010609060101010101" pitchFamily="49" charset="-122"/>
               </a:rPr>
-              <a:t>('http://www.baidu.com');</a:t>
+              <a:t>www.baidu.com');</a:t>
             </a:r>
           </a:p>
           <a:p>
@@ -15870,7 +15877,7 @@
         <p:spPr>
           <a:xfrm>
             <a:off x="1054100" y="1857375"/>
-            <a:ext cx="9861550" cy="1938992"/>
+            <a:ext cx="9861550" cy="1884618"/>
           </a:xfrm>
           <a:prstGeom prst="rect">
             <a:avLst/>
